--- a/발표자료/중간발표.pptx
+++ b/발표자료/중간발표.pptx
@@ -21,6 +21,7 @@
     <p:sldId id="276" r:id="rId18"/>
     <p:sldId id="277" r:id="rId19"/>
     <p:sldId id="278" r:id="rId20"/>
+    <p:sldId id="279" r:id="rId21"/>
   </p:sldIdLst>
   <p:sldSz cx="12192000" cy="6858000"/>
   <p:notesSz cx="6858000" cy="9144000"/>
@@ -3550,7 +3551,7 @@
           <a:p>
             <a:fld id="{C43A76A3-ADC8-4477-8FC1-B9DD55D84908}" type="datetime1">
               <a:rPr lang="en-US" smtClean="0"/>
-              <a:t>10/31/2022</a:t>
+              <a:t>11/1/2022</a:t>
             </a:fld>
             <a:endParaRPr lang="en-US"/>
           </a:p>
@@ -3748,7 +3749,7 @@
           <a:p>
             <a:fld id="{D6762538-DC4D-4667-96E5-B3278DDF8B12}" type="datetime1">
               <a:rPr lang="en-US" smtClean="0"/>
-              <a:t>10/31/2022</a:t>
+              <a:t>11/1/2022</a:t>
             </a:fld>
             <a:endParaRPr lang="en-US"/>
           </a:p>
@@ -3956,7 +3957,7 @@
           <a:p>
             <a:fld id="{05880548-5C08-4BE3-B63E-F2BB63B0B00C}" type="datetime1">
               <a:rPr lang="en-US" smtClean="0"/>
-              <a:t>10/31/2022</a:t>
+              <a:t>11/1/2022</a:t>
             </a:fld>
             <a:endParaRPr lang="en-US"/>
           </a:p>
@@ -4154,7 +4155,7 @@
           <a:p>
             <a:fld id="{DE7F49BE-398D-479A-8A7E-5DDBCA61EDCB}" type="datetime1">
               <a:rPr lang="en-US" smtClean="0"/>
-              <a:t>10/31/2022</a:t>
+              <a:t>11/1/2022</a:t>
             </a:fld>
             <a:endParaRPr lang="en-US"/>
           </a:p>
@@ -4430,7 +4431,7 @@
           <a:p>
             <a:fld id="{CCD0C193-4974-4A1F-9C63-07D595E30D66}" type="datetime1">
               <a:rPr lang="en-US" smtClean="0"/>
-              <a:t>10/31/2022</a:t>
+              <a:t>11/1/2022</a:t>
             </a:fld>
             <a:endParaRPr lang="en-US"/>
           </a:p>
@@ -4697,7 +4698,7 @@
           <a:p>
             <a:fld id="{701AA87F-28D4-4BF0-B81F-877A89DFD5AC}" type="datetime1">
               <a:rPr lang="en-US" smtClean="0"/>
-              <a:t>10/31/2022</a:t>
+              <a:t>11/1/2022</a:t>
             </a:fld>
             <a:endParaRPr lang="en-US"/>
           </a:p>
@@ -5111,7 +5112,7 @@
           <a:p>
             <a:fld id="{A8A9F1F3-208B-49A3-B337-9C8ACEB3E0E1}" type="datetime1">
               <a:rPr lang="en-US" smtClean="0"/>
-              <a:t>10/31/2022</a:t>
+              <a:t>11/1/2022</a:t>
             </a:fld>
             <a:endParaRPr lang="en-US"/>
           </a:p>
@@ -5258,7 +5259,7 @@
           <a:p>
             <a:fld id="{27AF6CA6-7293-4AA2-A0E0-A3BF4416E786}" type="datetime1">
               <a:rPr lang="en-US" smtClean="0"/>
-              <a:t>10/31/2022</a:t>
+              <a:t>11/1/2022</a:t>
             </a:fld>
             <a:endParaRPr lang="en-US"/>
           </a:p>
@@ -5371,7 +5372,7 @@
           <a:p>
             <a:fld id="{98D87016-7BCD-46FB-8EE3-AB6C369108B4}" type="datetime1">
               <a:rPr lang="en-US" smtClean="0"/>
-              <a:t>10/31/2022</a:t>
+              <a:t>11/1/2022</a:t>
             </a:fld>
             <a:endParaRPr lang="en-US"/>
           </a:p>
@@ -5690,7 +5691,7 @@
           <a:p>
             <a:fld id="{A1547011-1FFC-4EF8-9A2E-53B4AD2ADBD4}" type="datetime1">
               <a:rPr lang="en-US" smtClean="0"/>
-              <a:t>10/31/2022</a:t>
+              <a:t>11/1/2022</a:t>
             </a:fld>
             <a:endParaRPr lang="en-US"/>
           </a:p>
@@ -5984,7 +5985,7 @@
           <a:p>
             <a:fld id="{9562EB47-45B4-4EF5-A743-B4885DD2F060}" type="datetime1">
               <a:rPr lang="en-US" smtClean="0"/>
-              <a:t>10/31/2022</a:t>
+              <a:t>11/1/2022</a:t>
             </a:fld>
             <a:endParaRPr lang="en-US"/>
           </a:p>
@@ -7369,7 +7370,7 @@
           <a:p>
             <a:fld id="{4A8D24A4-5FEC-4062-8995-EB21925B3B40}" type="datetime1">
               <a:rPr lang="en-US" smtClean="0"/>
-              <a:t>10/31/2022</a:t>
+              <a:t>11/1/2022</a:t>
             </a:fld>
             <a:endParaRPr lang="en-US" sz="1000"/>
           </a:p>
@@ -10062,10 +10063,10 @@
       </p:sp>
       <p:pic>
         <p:nvPicPr>
-          <p:cNvPr id="4" name="그림 3">
+          <p:cNvPr id="5" name="그림 4">
             <a:extLst>
               <a:ext uri="{FF2B5EF4-FFF2-40B4-BE49-F238E27FC236}">
-                <a16:creationId xmlns:a16="http://schemas.microsoft.com/office/drawing/2014/main" id="{F853BB02-3E6B-43B2-F62B-F450F83CBC88}"/>
+                <a16:creationId xmlns:a16="http://schemas.microsoft.com/office/drawing/2014/main" id="{18592E16-CBA2-65B9-220E-22C2CF7E1BD8}"/>
               </a:ext>
             </a:extLst>
           </p:cNvPr>
@@ -10082,38 +10083,8 @@
         </p:blipFill>
         <p:spPr>
           <a:xfrm>
-            <a:off x="1074158" y="1535681"/>
-            <a:ext cx="8487960" cy="5115639"/>
-          </a:xfrm>
-          <a:prstGeom prst="rect">
-            <a:avLst/>
-          </a:prstGeom>
-        </p:spPr>
-      </p:pic>
-      <p:pic>
-        <p:nvPicPr>
-          <p:cNvPr id="7" name="그림 6">
-            <a:extLst>
-              <a:ext uri="{FF2B5EF4-FFF2-40B4-BE49-F238E27FC236}">
-                <a16:creationId xmlns:a16="http://schemas.microsoft.com/office/drawing/2014/main" id="{F46A4A6B-D449-7726-0058-0A5CCED4555C}"/>
-              </a:ext>
-            </a:extLst>
-          </p:cNvPr>
-          <p:cNvPicPr>
-            <a:picLocks noChangeAspect="1"/>
-          </p:cNvPicPr>
-          <p:nvPr/>
-        </p:nvPicPr>
-        <p:blipFill>
-          <a:blip r:embed="rId3"/>
-          <a:stretch>
-            <a:fillRect/>
-          </a:stretch>
-        </p:blipFill>
-        <p:spPr>
-          <a:xfrm>
-            <a:off x="5541626" y="1642166"/>
-            <a:ext cx="8373644" cy="5096586"/>
+            <a:off x="1875836" y="1479999"/>
+            <a:ext cx="8440328" cy="5249008"/>
           </a:xfrm>
           <a:prstGeom prst="rect">
             <a:avLst/>
@@ -10180,10 +10151,10 @@
       </p:sp>
       <p:pic>
         <p:nvPicPr>
-          <p:cNvPr id="11" name="그림 10">
+          <p:cNvPr id="13" name="그림 12">
             <a:extLst>
               <a:ext uri="{FF2B5EF4-FFF2-40B4-BE49-F238E27FC236}">
-                <a16:creationId xmlns:a16="http://schemas.microsoft.com/office/drawing/2014/main" id="{AB3BE0BA-FEAD-1467-01B4-893D603D123B}"/>
+                <a16:creationId xmlns:a16="http://schemas.microsoft.com/office/drawing/2014/main" id="{E61BDCCA-92EB-9BF5-1B2A-86BBE8B4502D}"/>
               </a:ext>
             </a:extLst>
           </p:cNvPr>
@@ -10200,8 +10171,8 @@
         </p:blipFill>
         <p:spPr>
           <a:xfrm>
-            <a:off x="1631259" y="1903043"/>
-            <a:ext cx="8951072" cy="4205926"/>
+            <a:off x="1994915" y="1680918"/>
+            <a:ext cx="8202170" cy="3496163"/>
           </a:xfrm>
           <a:prstGeom prst="rect">
             <a:avLst/>
@@ -10268,10 +10239,10 @@
       </p:sp>
       <p:pic>
         <p:nvPicPr>
-          <p:cNvPr id="4" name="내용 개체 틀 6">
+          <p:cNvPr id="5" name="그림 4">
             <a:extLst>
               <a:ext uri="{FF2B5EF4-FFF2-40B4-BE49-F238E27FC236}">
-                <a16:creationId xmlns:a16="http://schemas.microsoft.com/office/drawing/2014/main" id="{0942E287-268E-A424-795B-160D50514157}"/>
+                <a16:creationId xmlns:a16="http://schemas.microsoft.com/office/drawing/2014/main" id="{0BBCAD9B-3266-34B9-E1AE-F45A6F692C10}"/>
               </a:ext>
             </a:extLst>
           </p:cNvPr>
@@ -10288,8 +10259,8 @@
         </p:blipFill>
         <p:spPr>
           <a:xfrm>
-            <a:off x="1414309" y="1690688"/>
-            <a:ext cx="9384972" cy="4514992"/>
+            <a:off x="1787550" y="1871248"/>
+            <a:ext cx="8830907" cy="4477375"/>
           </a:xfrm>
           <a:prstGeom prst="rect">
             <a:avLst/>
@@ -10300,6 +10271,94 @@
     <p:extLst>
       <p:ext uri="{BB962C8B-B14F-4D97-AF65-F5344CB8AC3E}">
         <p14:creationId xmlns:p14="http://schemas.microsoft.com/office/powerpoint/2010/main" val="2791842569"/>
+      </p:ext>
+    </p:extLst>
+  </p:cSld>
+  <p:clrMapOvr>
+    <a:masterClrMapping/>
+  </p:clrMapOvr>
+</p:sld>
+</file>
+
+<file path=ppt/slides/slide17.xml><?xml version="1.0" encoding="utf-8"?>
+<p:sld xmlns:a="http://schemas.openxmlformats.org/drawingml/2006/main" xmlns:r="http://schemas.openxmlformats.org/officeDocument/2006/relationships" xmlns:p="http://schemas.openxmlformats.org/presentationml/2006/main">
+  <p:cSld>
+    <p:spTree>
+      <p:nvGrpSpPr>
+        <p:cNvPr id="1" name=""/>
+        <p:cNvGrpSpPr/>
+        <p:nvPr/>
+      </p:nvGrpSpPr>
+      <p:grpSpPr>
+        <a:xfrm>
+          <a:off x="0" y="0"/>
+          <a:ext cx="0" cy="0"/>
+          <a:chOff x="0" y="0"/>
+          <a:chExt cx="0" cy="0"/>
+        </a:xfrm>
+      </p:grpSpPr>
+      <p:sp>
+        <p:nvSpPr>
+          <p:cNvPr id="2" name="제목 1">
+            <a:extLst>
+              <a:ext uri="{FF2B5EF4-FFF2-40B4-BE49-F238E27FC236}">
+                <a16:creationId xmlns:a16="http://schemas.microsoft.com/office/drawing/2014/main" id="{3272799C-8376-FCEE-8537-52A6FAFF23C3}"/>
+              </a:ext>
+            </a:extLst>
+          </p:cNvPr>
+          <p:cNvSpPr>
+            <a:spLocks noGrp="1"/>
+          </p:cNvSpPr>
+          <p:nvPr>
+            <p:ph type="title"/>
+          </p:nvPr>
+        </p:nvSpPr>
+        <p:spPr/>
+        <p:txBody>
+          <a:bodyPr/>
+          <a:lstStyle/>
+          <a:p>
+            <a:r>
+              <a:rPr lang="ko-KR" altLang="en-US" sz="4000"/>
+              <a:t>레벨업 코드</a:t>
+            </a:r>
+          </a:p>
+        </p:txBody>
+      </p:sp>
+      <p:pic>
+        <p:nvPicPr>
+          <p:cNvPr id="5" name="그림 4">
+            <a:extLst>
+              <a:ext uri="{FF2B5EF4-FFF2-40B4-BE49-F238E27FC236}">
+                <a16:creationId xmlns:a16="http://schemas.microsoft.com/office/drawing/2014/main" id="{5BD15429-0DB1-A520-5658-48BC548CC969}"/>
+              </a:ext>
+            </a:extLst>
+          </p:cNvPr>
+          <p:cNvPicPr>
+            <a:picLocks noChangeAspect="1"/>
+          </p:cNvPicPr>
+          <p:nvPr/>
+        </p:nvPicPr>
+        <p:blipFill>
+          <a:blip r:embed="rId2"/>
+          <a:stretch>
+            <a:fillRect/>
+          </a:stretch>
+        </p:blipFill>
+        <p:spPr>
+          <a:xfrm>
+            <a:off x="3013999" y="2500953"/>
+            <a:ext cx="5801535" cy="3734321"/>
+          </a:xfrm>
+          <a:prstGeom prst="rect">
+            <a:avLst/>
+          </a:prstGeom>
+        </p:spPr>
+      </p:pic>
+    </p:spTree>
+    <p:extLst>
+      <p:ext uri="{BB962C8B-B14F-4D97-AF65-F5344CB8AC3E}">
+        <p14:creationId xmlns:p14="http://schemas.microsoft.com/office/powerpoint/2010/main" val="220006093"/>
       </p:ext>
     </p:extLst>
   </p:cSld>
@@ -12831,6 +12890,21 @@
 </file>
 
 <file path=customXml/item1.xml><?xml version="1.0" encoding="utf-8"?>
+<?mso-contentType ?>
+<FormTemplates xmlns="http://schemas.microsoft.com/sharepoint/v3/contenttype/forms">
+  <Display>DocumentLibraryForm</Display>
+  <Edit>DocumentLibraryForm</Edit>
+  <New>DocumentLibraryForm</New>
+</FormTemplates>
+</file>
+
+<file path=customXml/item2.xml><?xml version="1.0" encoding="utf-8"?>
+<p:properties xmlns:p="http://schemas.microsoft.com/office/2006/metadata/properties" xmlns:xsi="http://www.w3.org/2001/XMLSchema-instance" xmlns:pc="http://schemas.microsoft.com/office/infopath/2007/PartnerControls">
+  <documentManagement/>
+</p:properties>
+</file>
+
+<file path=customXml/item3.xml><?xml version="1.0" encoding="utf-8"?>
 <ct:contentTypeSchema xmlns:ct="http://schemas.microsoft.com/office/2006/metadata/contentType" xmlns:ma="http://schemas.microsoft.com/office/2006/metadata/properties/metaAttributes" ct:_="" ma:_="" ma:contentTypeName="문서" ma:contentTypeID="0x010100BE14D7F540F35B468BA64A314BA30FF0" ma:contentTypeVersion="4" ma:contentTypeDescription="새 문서를 만듭니다." ma:contentTypeScope="" ma:versionID="823feba5b05e19280be375e1066c19b7">
   <xsd:schema xmlns:xsd="http://www.w3.org/2001/XMLSchema" xmlns:xs="http://www.w3.org/2001/XMLSchema" xmlns:p="http://schemas.microsoft.com/office/2006/metadata/properties" xmlns:ns3="b742ef55-5b73-48b8-9e5a-be290748a8af" targetNamespace="http://schemas.microsoft.com/office/2006/metadata/properties" ma:root="true" ma:fieldsID="96ada5517bd0105d5f64dfee587a7b36" ns3:_="">
     <xsd:import namespace="b742ef55-5b73-48b8-9e5a-be290748a8af"/>
@@ -12976,35 +13050,10 @@
 </ct:contentTypeSchema>
 </file>
 
-<file path=customXml/item2.xml><?xml version="1.0" encoding="utf-8"?>
-<p:properties xmlns:p="http://schemas.microsoft.com/office/2006/metadata/properties" xmlns:xsi="http://www.w3.org/2001/XMLSchema-instance" xmlns:pc="http://schemas.microsoft.com/office/infopath/2007/PartnerControls">
-  <documentManagement/>
-</p:properties>
-</file>
-
-<file path=customXml/item3.xml><?xml version="1.0" encoding="utf-8"?>
-<?mso-contentType ?>
-<FormTemplates xmlns="http://schemas.microsoft.com/sharepoint/v3/contenttype/forms">
-  <Display>DocumentLibraryForm</Display>
-  <Edit>DocumentLibraryForm</Edit>
-  <New>DocumentLibraryForm</New>
-</FormTemplates>
-</file>
-
 <file path=customXml/itemProps1.xml><?xml version="1.0" encoding="utf-8"?>
-<ds:datastoreItem xmlns:ds="http://schemas.openxmlformats.org/officeDocument/2006/customXml" ds:itemID="{4C96FD82-5389-4F41-B69C-5C4EF36EBB32}">
+<ds:datastoreItem xmlns:ds="http://schemas.openxmlformats.org/officeDocument/2006/customXml" ds:itemID="{C20368BC-359B-4539-B9C4-F3E3B0945675}">
   <ds:schemaRefs>
-    <ds:schemaRef ds:uri="http://schemas.microsoft.com/office/2006/metadata/contentType"/>
-    <ds:schemaRef ds:uri="http://schemas.microsoft.com/office/2006/metadata/properties/metaAttributes"/>
-    <ds:schemaRef ds:uri="http://www.w3.org/2001/XMLSchema"/>
-    <ds:schemaRef ds:uri="http://schemas.microsoft.com/office/2006/metadata/properties"/>
-    <ds:schemaRef ds:uri="b742ef55-5b73-48b8-9e5a-be290748a8af"/>
-    <ds:schemaRef ds:uri="http://schemas.microsoft.com/office/2006/documentManagement/types"/>
-    <ds:schemaRef ds:uri="http://schemas.microsoft.com/office/infopath/2007/PartnerControls"/>
-    <ds:schemaRef ds:uri="http://schemas.openxmlformats.org/package/2006/metadata/core-properties"/>
-    <ds:schemaRef ds:uri="http://purl.org/dc/elements/1.1/"/>
-    <ds:schemaRef ds:uri="http://purl.org/dc/terms/"/>
-    <ds:schemaRef ds:uri="http://schemas.microsoft.com/internal/obd"/>
+    <ds:schemaRef ds:uri="http://schemas.microsoft.com/sharepoint/v3/contenttype/forms"/>
   </ds:schemaRefs>
 </ds:datastoreItem>
 </file>
@@ -13026,9 +13075,19 @@
 </file>
 
 <file path=customXml/itemProps3.xml><?xml version="1.0" encoding="utf-8"?>
-<ds:datastoreItem xmlns:ds="http://schemas.openxmlformats.org/officeDocument/2006/customXml" ds:itemID="{C20368BC-359B-4539-B9C4-F3E3B0945675}">
+<ds:datastoreItem xmlns:ds="http://schemas.openxmlformats.org/officeDocument/2006/customXml" ds:itemID="{4C96FD82-5389-4F41-B69C-5C4EF36EBB32}">
   <ds:schemaRefs>
-    <ds:schemaRef ds:uri="http://schemas.microsoft.com/sharepoint/v3/contenttype/forms"/>
+    <ds:schemaRef ds:uri="http://schemas.microsoft.com/office/2006/metadata/contentType"/>
+    <ds:schemaRef ds:uri="http://schemas.microsoft.com/office/2006/metadata/properties/metaAttributes"/>
+    <ds:schemaRef ds:uri="http://www.w3.org/2001/XMLSchema"/>
+    <ds:schemaRef ds:uri="http://schemas.microsoft.com/office/2006/metadata/properties"/>
+    <ds:schemaRef ds:uri="b742ef55-5b73-48b8-9e5a-be290748a8af"/>
+    <ds:schemaRef ds:uri="http://schemas.microsoft.com/office/2006/documentManagement/types"/>
+    <ds:schemaRef ds:uri="http://schemas.microsoft.com/office/infopath/2007/PartnerControls"/>
+    <ds:schemaRef ds:uri="http://schemas.openxmlformats.org/package/2006/metadata/core-properties"/>
+    <ds:schemaRef ds:uri="http://purl.org/dc/elements/1.1/"/>
+    <ds:schemaRef ds:uri="http://purl.org/dc/terms/"/>
+    <ds:schemaRef ds:uri="http://schemas.microsoft.com/internal/obd"/>
   </ds:schemaRefs>
 </ds:datastoreItem>
 </file>